--- a/Project.pptx
+++ b/Project.pptx
@@ -209,7 +209,7 @@
           <a:p>
             <a:fld id="{FBA605CB-1BFD-4A0D-B987-58288DA1A33E}" type="datetimeFigureOut">
               <a:rPr lang="en-US" smtClean="0"/>
-              <a:t>10/21/2024</a:t>
+              <a:t>10/23/2024</a:t>
             </a:fld>
             <a:endParaRPr lang="en-US"/>
           </a:p>
@@ -771,7 +771,7 @@
           <a:p>
             <a:fld id="{2B917E97-D4D5-4335-A0AD-2A1C0BD84EFC}" type="datetimeFigureOut">
               <a:rPr lang="en-US" smtClean="0"/>
-              <a:t>10/21/2024</a:t>
+              <a:t>10/23/2024</a:t>
             </a:fld>
             <a:endParaRPr lang="en-US"/>
           </a:p>
@@ -992,7 +992,7 @@
           <a:p>
             <a:fld id="{2B917E97-D4D5-4335-A0AD-2A1C0BD84EFC}" type="datetimeFigureOut">
               <a:rPr lang="en-US" smtClean="0"/>
-              <a:t>10/21/2024</a:t>
+              <a:t>10/23/2024</a:t>
             </a:fld>
             <a:endParaRPr lang="en-US"/>
           </a:p>
@@ -1172,7 +1172,7 @@
           <a:p>
             <a:fld id="{2B917E97-D4D5-4335-A0AD-2A1C0BD84EFC}" type="datetimeFigureOut">
               <a:rPr lang="en-US" smtClean="0"/>
-              <a:t>10/21/2024</a:t>
+              <a:t>10/23/2024</a:t>
             </a:fld>
             <a:endParaRPr lang="en-US"/>
           </a:p>
@@ -1342,7 +1342,7 @@
           <a:p>
             <a:fld id="{2B917E97-D4D5-4335-A0AD-2A1C0BD84EFC}" type="datetimeFigureOut">
               <a:rPr lang="en-US" smtClean="0"/>
-              <a:t>10/21/2024</a:t>
+              <a:t>10/23/2024</a:t>
             </a:fld>
             <a:endParaRPr lang="en-US"/>
           </a:p>
@@ -1616,7 +1616,7 @@
           <a:p>
             <a:fld id="{2B917E97-D4D5-4335-A0AD-2A1C0BD84EFC}" type="datetimeFigureOut">
               <a:rPr lang="en-US" smtClean="0"/>
-              <a:t>10/21/2024</a:t>
+              <a:t>10/23/2024</a:t>
             </a:fld>
             <a:endParaRPr lang="en-US"/>
           </a:p>
@@ -1939,7 +1939,7 @@
           <a:p>
             <a:fld id="{2B917E97-D4D5-4335-A0AD-2A1C0BD84EFC}" type="datetimeFigureOut">
               <a:rPr lang="en-US" smtClean="0"/>
-              <a:t>10/21/2024</a:t>
+              <a:t>10/23/2024</a:t>
             </a:fld>
             <a:endParaRPr lang="en-US"/>
           </a:p>
@@ -2363,7 +2363,7 @@
           <a:p>
             <a:fld id="{2B917E97-D4D5-4335-A0AD-2A1C0BD84EFC}" type="datetimeFigureOut">
               <a:rPr lang="en-US" smtClean="0"/>
-              <a:t>10/21/2024</a:t>
+              <a:t>10/23/2024</a:t>
             </a:fld>
             <a:endParaRPr lang="en-US"/>
           </a:p>
@@ -2481,7 +2481,7 @@
           <a:p>
             <a:fld id="{2B917E97-D4D5-4335-A0AD-2A1C0BD84EFC}" type="datetimeFigureOut">
               <a:rPr lang="en-US" smtClean="0"/>
-              <a:t>10/21/2024</a:t>
+              <a:t>10/23/2024</a:t>
             </a:fld>
             <a:endParaRPr lang="en-US"/>
           </a:p>
@@ -2576,7 +2576,7 @@
           <a:p>
             <a:fld id="{2B917E97-D4D5-4335-A0AD-2A1C0BD84EFC}" type="datetimeFigureOut">
               <a:rPr lang="en-US" smtClean="0"/>
-              <a:t>10/21/2024</a:t>
+              <a:t>10/23/2024</a:t>
             </a:fld>
             <a:endParaRPr lang="en-US"/>
           </a:p>
@@ -2866,7 +2866,7 @@
           <a:p>
             <a:fld id="{2B917E97-D4D5-4335-A0AD-2A1C0BD84EFC}" type="datetimeFigureOut">
               <a:rPr lang="en-US" smtClean="0"/>
-              <a:t>10/21/2024</a:t>
+              <a:t>10/23/2024</a:t>
             </a:fld>
             <a:endParaRPr lang="en-US"/>
           </a:p>
@@ -3138,7 +3138,7 @@
           <a:p>
             <a:fld id="{2B917E97-D4D5-4335-A0AD-2A1C0BD84EFC}" type="datetimeFigureOut">
               <a:rPr lang="en-US" smtClean="0"/>
-              <a:t>10/21/2024</a:t>
+              <a:t>10/23/2024</a:t>
             </a:fld>
             <a:endParaRPr lang="en-US"/>
           </a:p>
@@ -3392,7 +3392,7 @@
           <a:p>
             <a:fld id="{2B917E97-D4D5-4335-A0AD-2A1C0BD84EFC}" type="datetimeFigureOut">
               <a:rPr lang="en-US" smtClean="0"/>
-              <a:t>10/21/2024</a:t>
+              <a:t>10/23/2024</a:t>
             </a:fld>
             <a:endParaRPr lang="en-US"/>
           </a:p>
@@ -7291,8 +7291,8 @@
         </p:nvSpPr>
         <p:spPr>
           <a:xfrm>
-            <a:off x="2631687" y="646771"/>
-            <a:ext cx="6690733" cy="769429"/>
+            <a:off x="880947" y="367990"/>
+            <a:ext cx="10827834" cy="1092819"/>
           </a:xfrm>
           <a:prstGeom prst="roundRect">
             <a:avLst/>
@@ -7338,31 +7338,13 @@
             </a:pPr>
             <a:r>
               <a:rPr lang="en-US" sz="3200" b="1" u="sng" dirty="0">
-                <a:ln w="0"/>
                 <a:solidFill>
                   <a:schemeClr val="tx1"/>
                 </a:solidFill>
-                <a:effectLst>
-                  <a:outerShdw blurRad="38100" dist="19050" dir="2700000" algn="tl" rotWithShape="0">
-                    <a:schemeClr val="dk1">
-                      <a:alpha val="40000"/>
-                    </a:schemeClr>
-                  </a:outerShdw>
-                </a:effectLst>
-                <a:latin typeface="Times New Roman" panose="02020603050405020304" pitchFamily="18" charset="0"/>
-                <a:cs typeface="Times New Roman" panose="02020603050405020304" pitchFamily="18" charset="0"/>
-              </a:rPr>
-              <a:t>KEY  INSIGHTS (</a:t>
-            </a:r>
-            <a:r>
-              <a:rPr lang="en-US" sz="3200" b="1" u="sng" dirty="0">
-                <a:solidFill>
-                  <a:schemeClr val="tx1"/>
-                </a:solidFill>
-                <a:latin typeface="Times New Roman" panose="02020603050405020304" pitchFamily="18" charset="0"/>
-                <a:cs typeface="Times New Roman" panose="02020603050405020304" pitchFamily="18" charset="0"/>
-              </a:rPr>
-              <a:t>PYTHON) </a:t>
+                <a:latin typeface="Times New Roman" panose="02020603050405020304" pitchFamily="18" charset="0"/>
+                <a:cs typeface="Times New Roman" panose="02020603050405020304" pitchFamily="18" charset="0"/>
+              </a:rPr>
+              <a:t>Steps Completed in Python for Predictive Maintenance Project</a:t>
             </a:r>
           </a:p>
         </p:txBody>
@@ -7399,96 +7381,6 @@
       </p:grpSpPr>
       <p:sp>
         <p:nvSpPr>
-          <p:cNvPr id="2" name="Rectangle: Rounded Corners 1">
-            <a:extLst>
-              <a:ext uri="{FF2B5EF4-FFF2-40B4-BE49-F238E27FC236}">
-                <a16:creationId xmlns:a16="http://schemas.microsoft.com/office/drawing/2014/main" id="{1B53B885-B5B9-D5BF-E98E-012DF537CCEC}"/>
-              </a:ext>
-            </a:extLst>
-          </p:cNvPr>
-          <p:cNvSpPr/>
-          <p:nvPr/>
-        </p:nvSpPr>
-        <p:spPr>
-          <a:xfrm>
-            <a:off x="2865863" y="646776"/>
-            <a:ext cx="6713034" cy="713673"/>
-          </a:xfrm>
-          <a:prstGeom prst="roundRect">
-            <a:avLst/>
-          </a:prstGeom>
-          <a:solidFill>
-            <a:schemeClr val="accent1">
-              <a:lumMod val="40000"/>
-              <a:lumOff val="60000"/>
-            </a:schemeClr>
-          </a:solidFill>
-          <a:ln>
-            <a:solidFill>
-              <a:schemeClr val="accent1">
-                <a:lumMod val="60000"/>
-                <a:lumOff val="40000"/>
-              </a:schemeClr>
-            </a:solidFill>
-          </a:ln>
-        </p:spPr>
-        <p:style>
-          <a:lnRef idx="2">
-            <a:schemeClr val="accent1">
-              <a:shade val="15000"/>
-            </a:schemeClr>
-          </a:lnRef>
-          <a:fillRef idx="1">
-            <a:schemeClr val="accent1"/>
-          </a:fillRef>
-          <a:effectRef idx="0">
-            <a:schemeClr val="accent1"/>
-          </a:effectRef>
-          <a:fontRef idx="minor">
-            <a:schemeClr val="lt1"/>
-          </a:fontRef>
-        </p:style>
-        <p:txBody>
-          <a:bodyPr rtlCol="0" anchor="ctr"/>
-          <a:lstStyle/>
-          <a:p>
-            <a:pPr marL="457200" indent="-457200" algn="ctr">
-              <a:buFont typeface="Wingdings" panose="05000000000000000000" pitchFamily="2" charset="2"/>
-              <a:buChar char="v"/>
-            </a:pPr>
-            <a:r>
-              <a:rPr lang="en-US" sz="3200" b="1" u="sng" dirty="0">
-                <a:ln w="0"/>
-                <a:solidFill>
-                  <a:schemeClr val="tx1"/>
-                </a:solidFill>
-                <a:effectLst>
-                  <a:outerShdw blurRad="38100" dist="19050" dir="2700000" algn="tl" rotWithShape="0">
-                    <a:schemeClr val="dk1">
-                      <a:alpha val="40000"/>
-                    </a:schemeClr>
-                  </a:outerShdw>
-                </a:effectLst>
-                <a:latin typeface="Times New Roman" panose="02020603050405020304" pitchFamily="18" charset="0"/>
-                <a:cs typeface="Times New Roman" panose="02020603050405020304" pitchFamily="18" charset="0"/>
-              </a:rPr>
-              <a:t>KEY  INSIGHTS (</a:t>
-            </a:r>
-            <a:r>
-              <a:rPr lang="en-US" sz="3200" b="1" u="sng" dirty="0">
-                <a:solidFill>
-                  <a:schemeClr val="tx1"/>
-                </a:solidFill>
-                <a:latin typeface="Times New Roman" panose="02020603050405020304" pitchFamily="18" charset="0"/>
-                <a:cs typeface="Times New Roman" panose="02020603050405020304" pitchFamily="18" charset="0"/>
-              </a:rPr>
-              <a:t>PYTHON) </a:t>
-            </a:r>
-          </a:p>
-        </p:txBody>
-      </p:sp>
-      <p:sp>
-        <p:nvSpPr>
           <p:cNvPr id="3" name="Rectangle 2">
             <a:extLst>
               <a:ext uri="{FF2B5EF4-FFF2-40B4-BE49-F238E27FC236}">
@@ -7637,6 +7529,78 @@
                 <a:cs typeface="Times New Roman" panose="02020603050405020304" pitchFamily="18" charset="0"/>
               </a:rPr>
               <a:t> : Python's flexibility allowed for easy integration with other tools and technologies, such as Power BI, enhancing the overall analytics workflow and facilitating the creation of interactive dashboards.</a:t>
+            </a:r>
+          </a:p>
+        </p:txBody>
+      </p:sp>
+      <p:sp>
+        <p:nvSpPr>
+          <p:cNvPr id="6" name="Rectangle: Rounded Corners 5">
+            <a:extLst>
+              <a:ext uri="{FF2B5EF4-FFF2-40B4-BE49-F238E27FC236}">
+                <a16:creationId xmlns:a16="http://schemas.microsoft.com/office/drawing/2014/main" id="{BF95F171-58F6-6654-ED5A-634AFD3D09BF}"/>
+              </a:ext>
+            </a:extLst>
+          </p:cNvPr>
+          <p:cNvSpPr/>
+          <p:nvPr/>
+        </p:nvSpPr>
+        <p:spPr>
+          <a:xfrm>
+            <a:off x="791737" y="546409"/>
+            <a:ext cx="10827834" cy="1092819"/>
+          </a:xfrm>
+          <a:prstGeom prst="roundRect">
+            <a:avLst/>
+          </a:prstGeom>
+          <a:solidFill>
+            <a:schemeClr val="accent1">
+              <a:lumMod val="40000"/>
+              <a:lumOff val="60000"/>
+            </a:schemeClr>
+          </a:solidFill>
+          <a:ln>
+            <a:solidFill>
+              <a:schemeClr val="accent1">
+                <a:lumMod val="60000"/>
+                <a:lumOff val="40000"/>
+              </a:schemeClr>
+            </a:solidFill>
+          </a:ln>
+        </p:spPr>
+        <p:style>
+          <a:lnRef idx="2">
+            <a:schemeClr val="accent1">
+              <a:shade val="15000"/>
+            </a:schemeClr>
+          </a:lnRef>
+          <a:fillRef idx="1">
+            <a:schemeClr val="accent1"/>
+          </a:fillRef>
+          <a:effectRef idx="0">
+            <a:schemeClr val="accent1"/>
+          </a:effectRef>
+          <a:fontRef idx="minor">
+            <a:schemeClr val="lt1"/>
+          </a:fontRef>
+        </p:style>
+        <p:txBody>
+          <a:bodyPr rtlCol="0" anchor="ctr"/>
+          <a:lstStyle/>
+          <a:p>
+            <a:pPr marL="457200" indent="-457200" algn="ctr">
+              <a:buFont typeface="Wingdings" panose="05000000000000000000" pitchFamily="2" charset="2"/>
+              <a:buChar char="v"/>
+            </a:pPr>
+            <a:r>
+              <a:rPr lang="en-US" sz="3200" b="1" u="sng" dirty="0">
+                <a:solidFill>
+                  <a:schemeClr val="tx1"/>
+                </a:solidFill>
+                <a:latin typeface="Times New Roman" panose="02020603050405020304" pitchFamily="18" charset="0"/>
+                <a:cs typeface="Times New Roman" panose="02020603050405020304" pitchFamily="18" charset="0"/>
+              </a:rPr>
+              <a:t>Steps Completed in Python for Predictive Maintenance Project</a:t>
             </a:r>
           </a:p>
         </p:txBody>
